--- a/Презентация и речь/Презентация 2.2.pptx
+++ b/Презентация и речь/Презентация 2.2.pptx
@@ -4717,7 +4717,7 @@
       </p:cxnSp>
       <p:pic>
         <p:nvPicPr>
-          <p:cNvPr id="6" name="Рисунок 5"/>
+          <p:cNvPr id="3" name="Рисунок 2"/>
           <p:cNvPicPr>
             <a:picLocks noChangeAspect="1"/>
           </p:cNvPicPr>
@@ -4731,8 +4731,8 @@
         </p:blipFill>
         <p:spPr>
           <a:xfrm>
-            <a:off x="397792" y="548680"/>
-            <a:ext cx="8474348" cy="5945152"/>
+            <a:off x="482709" y="439220"/>
+            <a:ext cx="8178581" cy="6182617"/>
           </a:xfrm>
           <a:prstGeom prst="rect">
             <a:avLst/>
@@ -5101,7 +5101,7 @@
       </p:cxnSp>
       <p:pic>
         <p:nvPicPr>
-          <p:cNvPr id="2" name="Рисунок 1"/>
+          <p:cNvPr id="3" name="Рисунок 2"/>
           <p:cNvPicPr>
             <a:picLocks noChangeAspect="1"/>
           </p:cNvPicPr>
@@ -5115,8 +5115,8 @@
         </p:blipFill>
         <p:spPr>
           <a:xfrm>
-            <a:off x="209450" y="620688"/>
-            <a:ext cx="8692508" cy="5904656"/>
+            <a:off x="251520" y="548680"/>
+            <a:ext cx="8619242" cy="5904656"/>
           </a:xfrm>
           <a:prstGeom prst="rect">
             <a:avLst/>
@@ -6202,7 +6202,7 @@
       </p:cxnSp>
       <p:pic>
         <p:nvPicPr>
-          <p:cNvPr id="5" name="Рисунок 4"/>
+          <p:cNvPr id="2" name="Рисунок 1"/>
           <p:cNvPicPr>
             <a:picLocks noChangeAspect="1"/>
           </p:cNvPicPr>
@@ -6216,8 +6216,8 @@
         </p:blipFill>
         <p:spPr>
           <a:xfrm>
-            <a:off x="400035" y="548680"/>
-            <a:ext cx="8492445" cy="5911328"/>
+            <a:off x="611560" y="432396"/>
+            <a:ext cx="8109112" cy="6048672"/>
           </a:xfrm>
           <a:prstGeom prst="rect">
             <a:avLst/>
@@ -6455,124 +6455,78 @@
                 <a:latin typeface="Times New Roman" panose="02020603050405020304" pitchFamily="18" charset="0"/>
                 <a:cs typeface="Times New Roman" panose="02020603050405020304" pitchFamily="18" charset="0"/>
               </a:rPr>
-              <a:t>	</a:t>
+              <a:t>	Спроектирован электронный курс «Дискретная математика», который </a:t>
+            </a:r>
+            <a:r>
+              <a:rPr lang="ru-RU" dirty="0">
+                <a:latin typeface="Times New Roman" panose="02020603050405020304" pitchFamily="18" charset="0"/>
+                <a:cs typeface="Times New Roman" panose="02020603050405020304" pitchFamily="18" charset="0"/>
+              </a:rPr>
+              <a:t>позволяет повысить </a:t>
             </a:r>
             <a:r>
               <a:rPr lang="ru-RU" dirty="0" smtClean="0">
                 <a:latin typeface="Times New Roman" panose="02020603050405020304" pitchFamily="18" charset="0"/>
                 <a:cs typeface="Times New Roman" panose="02020603050405020304" pitchFamily="18" charset="0"/>
               </a:rPr>
-              <a:t>Спроектирован э</a:t>
+              <a:t>успеваемость </a:t>
+            </a:r>
+            <a:r>
+              <a:rPr lang="ru-RU" dirty="0">
+                <a:latin typeface="Times New Roman" panose="02020603050405020304" pitchFamily="18" charset="0"/>
+                <a:cs typeface="Times New Roman" panose="02020603050405020304" pitchFamily="18" charset="0"/>
+              </a:rPr>
+              <a:t>по данной </a:t>
             </a:r>
             <a:r>
               <a:rPr lang="ru-RU" dirty="0" smtClean="0">
                 <a:latin typeface="Times New Roman" panose="02020603050405020304" pitchFamily="18" charset="0"/>
                 <a:cs typeface="Times New Roman" panose="02020603050405020304" pitchFamily="18" charset="0"/>
               </a:rPr>
-              <a:t>лектронный </a:t>
+              <a:t>дисциплине</a:t>
+            </a:r>
+            <a:r>
+              <a:rPr lang="ru-RU" dirty="0">
+                <a:latin typeface="Times New Roman" panose="02020603050405020304" pitchFamily="18" charset="0"/>
+                <a:cs typeface="Times New Roman" panose="02020603050405020304" pitchFamily="18" charset="0"/>
+              </a:rPr>
+              <a:t>. </a:t>
             </a:r>
             <a:r>
               <a:rPr lang="ru-RU" dirty="0" smtClean="0">
                 <a:latin typeface="Times New Roman" panose="02020603050405020304" pitchFamily="18" charset="0"/>
                 <a:cs typeface="Times New Roman" panose="02020603050405020304" pitchFamily="18" charset="0"/>
               </a:rPr>
-              <a:t>курс </a:t>
+              <a:t>Курс полезен </a:t>
+            </a:r>
+            <a:r>
+              <a:rPr lang="ru-RU" dirty="0">
+                <a:latin typeface="Times New Roman" panose="02020603050405020304" pitchFamily="18" charset="0"/>
+                <a:cs typeface="Times New Roman" panose="02020603050405020304" pitchFamily="18" charset="0"/>
+              </a:rPr>
+              <a:t>при </a:t>
             </a:r>
             <a:r>
               <a:rPr lang="ru-RU" dirty="0" smtClean="0">
                 <a:latin typeface="Times New Roman" panose="02020603050405020304" pitchFamily="18" charset="0"/>
                 <a:cs typeface="Times New Roman" panose="02020603050405020304" pitchFamily="18" charset="0"/>
               </a:rPr>
-              <a:t>«Дискретная </a:t>
+              <a:t>индивидуальном </a:t>
+            </a:r>
+            <a:r>
+              <a:rPr lang="ru-RU" dirty="0">
+                <a:latin typeface="Times New Roman" panose="02020603050405020304" pitchFamily="18" charset="0"/>
+                <a:cs typeface="Times New Roman" panose="02020603050405020304" pitchFamily="18" charset="0"/>
+              </a:rPr>
+              <a:t>и </a:t>
             </a:r>
             <a:r>
               <a:rPr lang="ru-RU" dirty="0" smtClean="0">
                 <a:latin typeface="Times New Roman" panose="02020603050405020304" pitchFamily="18" charset="0"/>
                 <a:cs typeface="Times New Roman" panose="02020603050405020304" pitchFamily="18" charset="0"/>
               </a:rPr>
-              <a:t>математика», который </a:t>
-            </a:r>
-            <a:r>
-              <a:rPr lang="ru-RU" dirty="0">
-                <a:latin typeface="Times New Roman" panose="02020603050405020304" pitchFamily="18" charset="0"/>
-                <a:cs typeface="Times New Roman" panose="02020603050405020304" pitchFamily="18" charset="0"/>
-              </a:rPr>
-              <a:t>позволяет повысить </a:t>
-            </a:r>
-            <a:r>
-              <a:rPr lang="ru-RU" dirty="0" smtClean="0">
-                <a:latin typeface="Times New Roman" panose="02020603050405020304" pitchFamily="18" charset="0"/>
-                <a:cs typeface="Times New Roman" panose="02020603050405020304" pitchFamily="18" charset="0"/>
-              </a:rPr>
-              <a:t>успеваемость </a:t>
-            </a:r>
-            <a:r>
-              <a:rPr lang="ru-RU" dirty="0">
-                <a:latin typeface="Times New Roman" panose="02020603050405020304" pitchFamily="18" charset="0"/>
-                <a:cs typeface="Times New Roman" panose="02020603050405020304" pitchFamily="18" charset="0"/>
-              </a:rPr>
-              <a:t>по данной </a:t>
-            </a:r>
-            <a:r>
-              <a:rPr lang="ru-RU" dirty="0" smtClean="0">
-                <a:latin typeface="Times New Roman" panose="02020603050405020304" pitchFamily="18" charset="0"/>
-                <a:cs typeface="Times New Roman" panose="02020603050405020304" pitchFamily="18" charset="0"/>
-              </a:rPr>
-              <a:t>дисциплине</a:t>
-            </a:r>
-            <a:r>
-              <a:rPr lang="ru-RU" dirty="0">
-                <a:latin typeface="Times New Roman" panose="02020603050405020304" pitchFamily="18" charset="0"/>
-                <a:cs typeface="Times New Roman" panose="02020603050405020304" pitchFamily="18" charset="0"/>
-              </a:rPr>
-              <a:t>. </a:t>
-            </a:r>
-            <a:r>
-              <a:rPr lang="ru-RU" dirty="0" smtClean="0">
-                <a:latin typeface="Times New Roman" panose="02020603050405020304" pitchFamily="18" charset="0"/>
-                <a:cs typeface="Times New Roman" panose="02020603050405020304" pitchFamily="18" charset="0"/>
-              </a:rPr>
-              <a:t>Курс полезен </a:t>
-            </a:r>
-            <a:r>
-              <a:rPr lang="ru-RU" dirty="0">
-                <a:latin typeface="Times New Roman" panose="02020603050405020304" pitchFamily="18" charset="0"/>
-                <a:cs typeface="Times New Roman" panose="02020603050405020304" pitchFamily="18" charset="0"/>
-              </a:rPr>
-              <a:t>при </a:t>
-            </a:r>
-            <a:r>
-              <a:rPr lang="ru-RU" dirty="0" smtClean="0">
-                <a:latin typeface="Times New Roman" panose="02020603050405020304" pitchFamily="18" charset="0"/>
-                <a:cs typeface="Times New Roman" panose="02020603050405020304" pitchFamily="18" charset="0"/>
-              </a:rPr>
-              <a:t>индивидуальном </a:t>
-            </a:r>
-            <a:r>
-              <a:rPr lang="ru-RU" dirty="0">
-                <a:latin typeface="Times New Roman" panose="02020603050405020304" pitchFamily="18" charset="0"/>
-                <a:cs typeface="Times New Roman" panose="02020603050405020304" pitchFamily="18" charset="0"/>
-              </a:rPr>
-              <a:t>и </a:t>
-            </a:r>
-            <a:r>
-              <a:rPr lang="ru-RU" dirty="0" smtClean="0">
-                <a:latin typeface="Times New Roman" panose="02020603050405020304" pitchFamily="18" charset="0"/>
-                <a:cs typeface="Times New Roman" panose="02020603050405020304" pitchFamily="18" charset="0"/>
-              </a:rPr>
-              <a:t>самостоятельном </a:t>
-            </a:r>
-            <a:r>
-              <a:rPr lang="ru-RU" dirty="0" smtClean="0">
-                <a:latin typeface="Times New Roman" panose="02020603050405020304" pitchFamily="18" charset="0"/>
-                <a:cs typeface="Times New Roman" panose="02020603050405020304" pitchFamily="18" charset="0"/>
-              </a:rPr>
-              <a:t>обучении.</a:t>
-            </a:r>
-            <a:endParaRPr lang="ru-RU" dirty="0" smtClean="0">
-              <a:latin typeface="Times New Roman" panose="02020603050405020304" pitchFamily="18" charset="0"/>
-              <a:cs typeface="Times New Roman" panose="02020603050405020304" pitchFamily="18" charset="0"/>
-            </a:endParaRPr>
+              <a:t>самостоятельном обучении.</a:t>
+            </a:r>
           </a:p>
           <a:p>
             <a:pPr algn="just">
@@ -8191,14 +8145,7 @@
                 <a:latin typeface="Times New Roman" panose="02020603050405020304" pitchFamily="18" charset="0"/>
                 <a:cs typeface="Times New Roman" panose="02020603050405020304" pitchFamily="18" charset="0"/>
               </a:rPr>
-              <a:t>Вход в систему и </a:t>
-            </a:r>
-            <a:r>
-              <a:rPr lang="ru-RU" sz="2400" b="1" dirty="0" smtClean="0">
-                <a:latin typeface="Times New Roman" panose="02020603050405020304" pitchFamily="18" charset="0"/>
-                <a:cs typeface="Times New Roman" panose="02020603050405020304" pitchFamily="18" charset="0"/>
-              </a:rPr>
-              <a:t>регистраци</a:t>
+              <a:t>Вход в систему и регистраци</a:t>
             </a:r>
             <a:r>
               <a:rPr lang="ru-RU" sz="2400" b="1" dirty="0">
@@ -8207,10 +8154,6 @@
               </a:rPr>
               <a:t>я</a:t>
             </a:r>
-            <a:endParaRPr lang="ru-RU" sz="2400" b="1" dirty="0">
-              <a:latin typeface="Times New Roman" panose="02020603050405020304" pitchFamily="18" charset="0"/>
-              <a:cs typeface="Times New Roman" panose="02020603050405020304" pitchFamily="18" charset="0"/>
-            </a:endParaRPr>
           </a:p>
         </p:txBody>
       </p:sp>
